--- a/images/screen-website.pptx
+++ b/images/screen-website.pptx
@@ -270,7 +270,7 @@
           <a:p>
             <a:fld id="{05D0B3AF-13DA-4348-8939-FA6234BB6D76}" type="datetimeFigureOut">
               <a:rPr lang="zh-CN" altLang="en-US" smtClean="0"/>
-              <a:t>2023/6/26</a:t>
+              <a:t>2023/8/7</a:t>
             </a:fld>
             <a:endParaRPr lang="zh-CN" altLang="en-US"/>
           </a:p>
@@ -468,7 +468,7 @@
           <a:p>
             <a:fld id="{05D0B3AF-13DA-4348-8939-FA6234BB6D76}" type="datetimeFigureOut">
               <a:rPr lang="zh-CN" altLang="en-US" smtClean="0"/>
-              <a:t>2023/6/26</a:t>
+              <a:t>2023/8/7</a:t>
             </a:fld>
             <a:endParaRPr lang="zh-CN" altLang="en-US"/>
           </a:p>
@@ -676,7 +676,7 @@
           <a:p>
             <a:fld id="{05D0B3AF-13DA-4348-8939-FA6234BB6D76}" type="datetimeFigureOut">
               <a:rPr lang="zh-CN" altLang="en-US" smtClean="0"/>
-              <a:t>2023/6/26</a:t>
+              <a:t>2023/8/7</a:t>
             </a:fld>
             <a:endParaRPr lang="zh-CN" altLang="en-US"/>
           </a:p>
@@ -874,7 +874,7 @@
           <a:p>
             <a:fld id="{05D0B3AF-13DA-4348-8939-FA6234BB6D76}" type="datetimeFigureOut">
               <a:rPr lang="zh-CN" altLang="en-US" smtClean="0"/>
-              <a:t>2023/6/26</a:t>
+              <a:t>2023/8/7</a:t>
             </a:fld>
             <a:endParaRPr lang="zh-CN" altLang="en-US"/>
           </a:p>
@@ -1149,7 +1149,7 @@
           <a:p>
             <a:fld id="{05D0B3AF-13DA-4348-8939-FA6234BB6D76}" type="datetimeFigureOut">
               <a:rPr lang="zh-CN" altLang="en-US" smtClean="0"/>
-              <a:t>2023/6/26</a:t>
+              <a:t>2023/8/7</a:t>
             </a:fld>
             <a:endParaRPr lang="zh-CN" altLang="en-US"/>
           </a:p>
@@ -1414,7 +1414,7 @@
           <a:p>
             <a:fld id="{05D0B3AF-13DA-4348-8939-FA6234BB6D76}" type="datetimeFigureOut">
               <a:rPr lang="zh-CN" altLang="en-US" smtClean="0"/>
-              <a:t>2023/6/26</a:t>
+              <a:t>2023/8/7</a:t>
             </a:fld>
             <a:endParaRPr lang="zh-CN" altLang="en-US"/>
           </a:p>
@@ -1826,7 +1826,7 @@
           <a:p>
             <a:fld id="{05D0B3AF-13DA-4348-8939-FA6234BB6D76}" type="datetimeFigureOut">
               <a:rPr lang="zh-CN" altLang="en-US" smtClean="0"/>
-              <a:t>2023/6/26</a:t>
+              <a:t>2023/8/7</a:t>
             </a:fld>
             <a:endParaRPr lang="zh-CN" altLang="en-US"/>
           </a:p>
@@ -1967,7 +1967,7 @@
           <a:p>
             <a:fld id="{05D0B3AF-13DA-4348-8939-FA6234BB6D76}" type="datetimeFigureOut">
               <a:rPr lang="zh-CN" altLang="en-US" smtClean="0"/>
-              <a:t>2023/6/26</a:t>
+              <a:t>2023/8/7</a:t>
             </a:fld>
             <a:endParaRPr lang="zh-CN" altLang="en-US"/>
           </a:p>
@@ -2080,7 +2080,7 @@
           <a:p>
             <a:fld id="{05D0B3AF-13DA-4348-8939-FA6234BB6D76}" type="datetimeFigureOut">
               <a:rPr lang="zh-CN" altLang="en-US" smtClean="0"/>
-              <a:t>2023/6/26</a:t>
+              <a:t>2023/8/7</a:t>
             </a:fld>
             <a:endParaRPr lang="zh-CN" altLang="en-US"/>
           </a:p>
@@ -2391,7 +2391,7 @@
           <a:p>
             <a:fld id="{05D0B3AF-13DA-4348-8939-FA6234BB6D76}" type="datetimeFigureOut">
               <a:rPr lang="zh-CN" altLang="en-US" smtClean="0"/>
-              <a:t>2023/6/26</a:t>
+              <a:t>2023/8/7</a:t>
             </a:fld>
             <a:endParaRPr lang="zh-CN" altLang="en-US"/>
           </a:p>
@@ -2679,7 +2679,7 @@
           <a:p>
             <a:fld id="{05D0B3AF-13DA-4348-8939-FA6234BB6D76}" type="datetimeFigureOut">
               <a:rPr lang="zh-CN" altLang="en-US" smtClean="0"/>
-              <a:t>2023/6/26</a:t>
+              <a:t>2023/8/7</a:t>
             </a:fld>
             <a:endParaRPr lang="zh-CN" altLang="en-US"/>
           </a:p>
@@ -2920,7 +2920,7 @@
           <a:p>
             <a:fld id="{05D0B3AF-13DA-4348-8939-FA6234BB6D76}" type="datetimeFigureOut">
               <a:rPr lang="zh-CN" altLang="en-US" smtClean="0"/>
-              <a:t>2023/6/26</a:t>
+              <a:t>2023/8/7</a:t>
             </a:fld>
             <a:endParaRPr lang="zh-CN" altLang="en-US"/>
           </a:p>
@@ -3375,10 +3375,10 @@
       </p:pic>
       <p:pic>
         <p:nvPicPr>
-          <p:cNvPr id="4" name="图片 3">
-            <a:extLst>
-              <a:ext uri="{FF2B5EF4-FFF2-40B4-BE49-F238E27FC236}">
-                <a16:creationId xmlns:a16="http://schemas.microsoft.com/office/drawing/2014/main" id="{DE519335-2367-BF30-0CC6-CE75921D3628}"/>
+          <p:cNvPr id="3" name="图片 2">
+            <a:extLst>
+              <a:ext uri="{FF2B5EF4-FFF2-40B4-BE49-F238E27FC236}">
+                <a16:creationId xmlns:a16="http://schemas.microsoft.com/office/drawing/2014/main" id="{FF096CDF-9278-FEDC-DF90-98D44782F924}"/>
               </a:ext>
             </a:extLst>
           </p:cNvPr>
@@ -3387,15 +3387,22 @@
           </p:cNvPicPr>
           <p:nvPr/>
         </p:nvPicPr>
-        <p:blipFill rotWithShape="1">
-          <a:blip r:embed="rId3"/>
-          <a:srcRect b="12465"/>
-          <a:stretch/>
+        <p:blipFill>
+          <a:blip r:embed="rId3">
+            <a:extLst>
+              <a:ext uri="{28A0092B-C50C-407E-A947-70E740481C1C}">
+                <a14:useLocalDpi xmlns:a14="http://schemas.microsoft.com/office/drawing/2010/main" val="0"/>
+              </a:ext>
+            </a:extLst>
+          </a:blip>
+          <a:stretch>
+            <a:fillRect/>
+          </a:stretch>
         </p:blipFill>
         <p:spPr>
           <a:xfrm>
-            <a:off x="3021169" y="1417773"/>
-            <a:ext cx="5708022" cy="3794307"/>
+            <a:off x="3032373" y="1430213"/>
+            <a:ext cx="5679365" cy="3881619"/>
           </a:xfrm>
           <a:prstGeom prst="rect">
             <a:avLst/>
@@ -3404,10 +3411,10 @@
       </p:pic>
       <p:grpSp>
         <p:nvGrpSpPr>
-          <p:cNvPr id="8" name="组合 7">
-            <a:extLst>
-              <a:ext uri="{FF2B5EF4-FFF2-40B4-BE49-F238E27FC236}">
-                <a16:creationId xmlns:a16="http://schemas.microsoft.com/office/drawing/2014/main" id="{14F351E7-1174-6363-A29D-0CE8EFF12CE4}"/>
+          <p:cNvPr id="11" name="组合 10">
+            <a:extLst>
+              <a:ext uri="{FF2B5EF4-FFF2-40B4-BE49-F238E27FC236}">
+                <a16:creationId xmlns:a16="http://schemas.microsoft.com/office/drawing/2014/main" id="{EF40302D-8304-D172-AB9C-C82ED5A96BF2}"/>
               </a:ext>
             </a:extLst>
           </p:cNvPr>
@@ -3416,9 +3423,9 @@
         </p:nvGrpSpPr>
         <p:grpSpPr>
           <a:xfrm>
-            <a:off x="7940733" y="2953976"/>
+            <a:off x="7935376" y="2942245"/>
             <a:ext cx="1873317" cy="2654996"/>
-            <a:chOff x="7940733" y="2953976"/>
+            <a:chOff x="9805737" y="716026"/>
             <a:chExt cx="1873317" cy="2654996"/>
           </a:xfrm>
         </p:grpSpPr>
@@ -3449,7 +3456,7 @@
           </p:blipFill>
           <p:spPr>
             <a:xfrm>
-              <a:off x="7940733" y="2953976"/>
+              <a:off x="9805737" y="716026"/>
               <a:ext cx="1873317" cy="2654996"/>
             </a:xfrm>
             <a:prstGeom prst="rect">
@@ -3459,10 +3466,10 @@
         </p:pic>
         <p:pic>
           <p:nvPicPr>
-            <p:cNvPr id="6" name="图片 5">
+            <p:cNvPr id="9" name="图片 8">
               <a:extLst>
                 <a:ext uri="{FF2B5EF4-FFF2-40B4-BE49-F238E27FC236}">
-                  <a16:creationId xmlns:a16="http://schemas.microsoft.com/office/drawing/2014/main" id="{16689B69-628A-EA06-09A8-CC74A8A35378}"/>
+                  <a16:creationId xmlns:a16="http://schemas.microsoft.com/office/drawing/2014/main" id="{CEBDBFA4-7DEC-AA73-6331-47E710DC36BA}"/>
                 </a:ext>
               </a:extLst>
             </p:cNvPr>
@@ -3472,14 +3479,20 @@
             <p:nvPr/>
           </p:nvPicPr>
           <p:blipFill rotWithShape="1">
-            <a:blip r:embed="rId4"/>
-            <a:srcRect b="24937"/>
+            <a:blip r:embed="rId4">
+              <a:extLst>
+                <a:ext uri="{28A0092B-C50C-407E-A947-70E740481C1C}">
+                  <a14:useLocalDpi xmlns:a14="http://schemas.microsoft.com/office/drawing/2010/main" val="0"/>
+                </a:ext>
+              </a:extLst>
+            </a:blip>
+            <a:srcRect r="2147" b="32286"/>
             <a:stretch/>
           </p:blipFill>
           <p:spPr>
             <a:xfrm>
-              <a:off x="7973985" y="3003786"/>
-              <a:ext cx="1458464" cy="2605186"/>
+              <a:off x="9842269" y="773085"/>
+              <a:ext cx="1454252" cy="2597012"/>
             </a:xfrm>
             <a:prstGeom prst="rect">
               <a:avLst/>

--- a/images/screen-website.pptx
+++ b/images/screen-website.pptx
@@ -270,7 +270,7 @@
           <a:p>
             <a:fld id="{05D0B3AF-13DA-4348-8939-FA6234BB6D76}" type="datetimeFigureOut">
               <a:rPr lang="zh-CN" altLang="en-US" smtClean="0"/>
-              <a:t>2023/8/7</a:t>
+              <a:t>2023/10/8</a:t>
             </a:fld>
             <a:endParaRPr lang="zh-CN" altLang="en-US"/>
           </a:p>
@@ -468,7 +468,7 @@
           <a:p>
             <a:fld id="{05D0B3AF-13DA-4348-8939-FA6234BB6D76}" type="datetimeFigureOut">
               <a:rPr lang="zh-CN" altLang="en-US" smtClean="0"/>
-              <a:t>2023/8/7</a:t>
+              <a:t>2023/10/8</a:t>
             </a:fld>
             <a:endParaRPr lang="zh-CN" altLang="en-US"/>
           </a:p>
@@ -676,7 +676,7 @@
           <a:p>
             <a:fld id="{05D0B3AF-13DA-4348-8939-FA6234BB6D76}" type="datetimeFigureOut">
               <a:rPr lang="zh-CN" altLang="en-US" smtClean="0"/>
-              <a:t>2023/8/7</a:t>
+              <a:t>2023/10/8</a:t>
             </a:fld>
             <a:endParaRPr lang="zh-CN" altLang="en-US"/>
           </a:p>
@@ -874,7 +874,7 @@
           <a:p>
             <a:fld id="{05D0B3AF-13DA-4348-8939-FA6234BB6D76}" type="datetimeFigureOut">
               <a:rPr lang="zh-CN" altLang="en-US" smtClean="0"/>
-              <a:t>2023/8/7</a:t>
+              <a:t>2023/10/8</a:t>
             </a:fld>
             <a:endParaRPr lang="zh-CN" altLang="en-US"/>
           </a:p>
@@ -1149,7 +1149,7 @@
           <a:p>
             <a:fld id="{05D0B3AF-13DA-4348-8939-FA6234BB6D76}" type="datetimeFigureOut">
               <a:rPr lang="zh-CN" altLang="en-US" smtClean="0"/>
-              <a:t>2023/8/7</a:t>
+              <a:t>2023/10/8</a:t>
             </a:fld>
             <a:endParaRPr lang="zh-CN" altLang="en-US"/>
           </a:p>
@@ -1414,7 +1414,7 @@
           <a:p>
             <a:fld id="{05D0B3AF-13DA-4348-8939-FA6234BB6D76}" type="datetimeFigureOut">
               <a:rPr lang="zh-CN" altLang="en-US" smtClean="0"/>
-              <a:t>2023/8/7</a:t>
+              <a:t>2023/10/8</a:t>
             </a:fld>
             <a:endParaRPr lang="zh-CN" altLang="en-US"/>
           </a:p>
@@ -1826,7 +1826,7 @@
           <a:p>
             <a:fld id="{05D0B3AF-13DA-4348-8939-FA6234BB6D76}" type="datetimeFigureOut">
               <a:rPr lang="zh-CN" altLang="en-US" smtClean="0"/>
-              <a:t>2023/8/7</a:t>
+              <a:t>2023/10/8</a:t>
             </a:fld>
             <a:endParaRPr lang="zh-CN" altLang="en-US"/>
           </a:p>
@@ -1967,7 +1967,7 @@
           <a:p>
             <a:fld id="{05D0B3AF-13DA-4348-8939-FA6234BB6D76}" type="datetimeFigureOut">
               <a:rPr lang="zh-CN" altLang="en-US" smtClean="0"/>
-              <a:t>2023/8/7</a:t>
+              <a:t>2023/10/8</a:t>
             </a:fld>
             <a:endParaRPr lang="zh-CN" altLang="en-US"/>
           </a:p>
@@ -2080,7 +2080,7 @@
           <a:p>
             <a:fld id="{05D0B3AF-13DA-4348-8939-FA6234BB6D76}" type="datetimeFigureOut">
               <a:rPr lang="zh-CN" altLang="en-US" smtClean="0"/>
-              <a:t>2023/8/7</a:t>
+              <a:t>2023/10/8</a:t>
             </a:fld>
             <a:endParaRPr lang="zh-CN" altLang="en-US"/>
           </a:p>
@@ -2391,7 +2391,7 @@
           <a:p>
             <a:fld id="{05D0B3AF-13DA-4348-8939-FA6234BB6D76}" type="datetimeFigureOut">
               <a:rPr lang="zh-CN" altLang="en-US" smtClean="0"/>
-              <a:t>2023/8/7</a:t>
+              <a:t>2023/10/8</a:t>
             </a:fld>
             <a:endParaRPr lang="zh-CN" altLang="en-US"/>
           </a:p>
@@ -2679,7 +2679,7 @@
           <a:p>
             <a:fld id="{05D0B3AF-13DA-4348-8939-FA6234BB6D76}" type="datetimeFigureOut">
               <a:rPr lang="zh-CN" altLang="en-US" smtClean="0"/>
-              <a:t>2023/8/7</a:t>
+              <a:t>2023/10/8</a:t>
             </a:fld>
             <a:endParaRPr lang="zh-CN" altLang="en-US"/>
           </a:p>
@@ -2920,7 +2920,7 @@
           <a:p>
             <a:fld id="{05D0B3AF-13DA-4348-8939-FA6234BB6D76}" type="datetimeFigureOut">
               <a:rPr lang="zh-CN" altLang="en-US" smtClean="0"/>
-              <a:t>2023/8/7</a:t>
+              <a:t>2023/10/8</a:t>
             </a:fld>
             <a:endParaRPr lang="zh-CN" altLang="en-US"/>
           </a:p>
@@ -3375,10 +3375,10 @@
       </p:pic>
       <p:pic>
         <p:nvPicPr>
-          <p:cNvPr id="3" name="图片 2">
-            <a:extLst>
-              <a:ext uri="{FF2B5EF4-FFF2-40B4-BE49-F238E27FC236}">
-                <a16:creationId xmlns:a16="http://schemas.microsoft.com/office/drawing/2014/main" id="{FF096CDF-9278-FEDC-DF90-98D44782F924}"/>
+          <p:cNvPr id="6" name="Picture 5" descr="A screenshot of a computer">
+            <a:extLst>
+              <a:ext uri="{FF2B5EF4-FFF2-40B4-BE49-F238E27FC236}">
+                <a16:creationId xmlns:a16="http://schemas.microsoft.com/office/drawing/2014/main" id="{E65C3133-E71A-8FC1-70B3-0A1A2E84EA64}"/>
               </a:ext>
             </a:extLst>
           </p:cNvPr>
@@ -3401,105 +3401,78 @@
         </p:blipFill>
         <p:spPr>
           <a:xfrm>
-            <a:off x="3032373" y="1430213"/>
-            <a:ext cx="5679365" cy="3881619"/>
+            <a:off x="3022369" y="1449648"/>
+            <a:ext cx="5681057" cy="3787371"/>
           </a:xfrm>
           <a:prstGeom prst="rect">
             <a:avLst/>
           </a:prstGeom>
         </p:spPr>
       </p:pic>
-      <p:grpSp>
-        <p:nvGrpSpPr>
-          <p:cNvPr id="11" name="组合 10">
-            <a:extLst>
-              <a:ext uri="{FF2B5EF4-FFF2-40B4-BE49-F238E27FC236}">
-                <a16:creationId xmlns:a16="http://schemas.microsoft.com/office/drawing/2014/main" id="{EF40302D-8304-D172-AB9C-C82ED5A96BF2}"/>
-              </a:ext>
-            </a:extLst>
-          </p:cNvPr>
-          <p:cNvGrpSpPr/>
+      <p:pic>
+        <p:nvPicPr>
+          <p:cNvPr id="10" name="图片 9">
+            <a:extLst>
+              <a:ext uri="{FF2B5EF4-FFF2-40B4-BE49-F238E27FC236}">
+                <a16:creationId xmlns:a16="http://schemas.microsoft.com/office/drawing/2014/main" id="{EC050325-B063-4847-CAC5-B6292588F4D8}"/>
+              </a:ext>
+            </a:extLst>
+          </p:cNvPr>
+          <p:cNvPicPr>
+            <a:picLocks noChangeAspect="1"/>
+          </p:cNvPicPr>
           <p:nvPr/>
-        </p:nvGrpSpPr>
-        <p:grpSpPr>
+        </p:nvPicPr>
+        <p:blipFill rotWithShape="1">
+          <a:blip r:embed="rId2">
+            <a:extLst>
+              <a:ext uri="{28A0092B-C50C-407E-A947-70E740481C1C}">
+                <a14:useLocalDpi xmlns:a14="http://schemas.microsoft.com/office/drawing/2010/main" val="0"/>
+              </a:ext>
+            </a:extLst>
+          </a:blip>
+          <a:srcRect l="74751" t="38749"/>
+          <a:stretch/>
+        </p:blipFill>
+        <p:spPr>
           <a:xfrm>
-            <a:off x="7935376" y="2942245"/>
+            <a:off x="7949046" y="2949628"/>
             <a:ext cx="1873317" cy="2654996"/>
-            <a:chOff x="9805737" y="716026"/>
-            <a:chExt cx="1873317" cy="2654996"/>
           </a:xfrm>
-        </p:grpSpPr>
-        <p:pic>
-          <p:nvPicPr>
-            <p:cNvPr id="10" name="图片 9">
-              <a:extLst>
-                <a:ext uri="{FF2B5EF4-FFF2-40B4-BE49-F238E27FC236}">
-                  <a16:creationId xmlns:a16="http://schemas.microsoft.com/office/drawing/2014/main" id="{EC050325-B063-4847-CAC5-B6292588F4D8}"/>
-                </a:ext>
-              </a:extLst>
-            </p:cNvPr>
-            <p:cNvPicPr>
-              <a:picLocks noChangeAspect="1"/>
-            </p:cNvPicPr>
-            <p:nvPr/>
-          </p:nvPicPr>
-          <p:blipFill rotWithShape="1">
-            <a:blip r:embed="rId2">
-              <a:extLst>
-                <a:ext uri="{28A0092B-C50C-407E-A947-70E740481C1C}">
-                  <a14:useLocalDpi xmlns:a14="http://schemas.microsoft.com/office/drawing/2010/main" val="0"/>
-                </a:ext>
-              </a:extLst>
-            </a:blip>
-            <a:srcRect l="74751" t="38749"/>
-            <a:stretch/>
-          </p:blipFill>
-          <p:spPr>
-            <a:xfrm>
-              <a:off x="9805737" y="716026"/>
-              <a:ext cx="1873317" cy="2654996"/>
-            </a:xfrm>
-            <a:prstGeom prst="rect">
-              <a:avLst/>
-            </a:prstGeom>
-          </p:spPr>
-        </p:pic>
-        <p:pic>
-          <p:nvPicPr>
-            <p:cNvPr id="9" name="图片 8">
-              <a:extLst>
-                <a:ext uri="{FF2B5EF4-FFF2-40B4-BE49-F238E27FC236}">
-                  <a16:creationId xmlns:a16="http://schemas.microsoft.com/office/drawing/2014/main" id="{CEBDBFA4-7DEC-AA73-6331-47E710DC36BA}"/>
-                </a:ext>
-              </a:extLst>
-            </p:cNvPr>
-            <p:cNvPicPr>
-              <a:picLocks noChangeAspect="1"/>
-            </p:cNvPicPr>
-            <p:nvPr/>
-          </p:nvPicPr>
-          <p:blipFill rotWithShape="1">
-            <a:blip r:embed="rId4">
-              <a:extLst>
-                <a:ext uri="{28A0092B-C50C-407E-A947-70E740481C1C}">
-                  <a14:useLocalDpi xmlns:a14="http://schemas.microsoft.com/office/drawing/2010/main" val="0"/>
-                </a:ext>
-              </a:extLst>
-            </a:blip>
-            <a:srcRect r="2147" b="32286"/>
-            <a:stretch/>
-          </p:blipFill>
-          <p:spPr>
-            <a:xfrm>
-              <a:off x="9842269" y="773085"/>
-              <a:ext cx="1454252" cy="2597012"/>
-            </a:xfrm>
-            <a:prstGeom prst="rect">
-              <a:avLst/>
-            </a:prstGeom>
-          </p:spPr>
-        </p:pic>
-      </p:grpSp>
+          <a:prstGeom prst="rect">
+            <a:avLst/>
+          </a:prstGeom>
+        </p:spPr>
+      </p:pic>
+      <p:pic>
+        <p:nvPicPr>
+          <p:cNvPr id="7" name="Picture 6">
+            <a:extLst>
+              <a:ext uri="{FF2B5EF4-FFF2-40B4-BE49-F238E27FC236}">
+                <a16:creationId xmlns:a16="http://schemas.microsoft.com/office/drawing/2014/main" id="{25951A34-4689-F42D-495A-A33FBDDF1113}"/>
+              </a:ext>
+            </a:extLst>
+          </p:cNvPr>
+          <p:cNvPicPr>
+            <a:picLocks noChangeAspect="1"/>
+          </p:cNvPicPr>
+          <p:nvPr/>
+        </p:nvPicPr>
+        <p:blipFill rotWithShape="1">
+          <a:blip r:embed="rId4"/>
+          <a:srcRect t="1408" b="4501"/>
+          <a:stretch/>
+        </p:blipFill>
+        <p:spPr>
+          <a:xfrm>
+            <a:off x="7983540" y="3028950"/>
+            <a:ext cx="1460497" cy="2575674"/>
+          </a:xfrm>
+          <a:prstGeom prst="rect">
+            <a:avLst/>
+          </a:prstGeom>
+        </p:spPr>
+      </p:pic>
     </p:spTree>
     <p:extLst>
       <p:ext uri="{BB962C8B-B14F-4D97-AF65-F5344CB8AC3E}">

--- a/images/screen-website.pptx
+++ b/images/screen-website.pptx
@@ -270,7 +270,7 @@
           <a:p>
             <a:fld id="{05D0B3AF-13DA-4348-8939-FA6234BB6D76}" type="datetimeFigureOut">
               <a:rPr lang="zh-CN" altLang="en-US" smtClean="0"/>
-              <a:t>2023/10/8</a:t>
+              <a:t>2023/10/19</a:t>
             </a:fld>
             <a:endParaRPr lang="zh-CN" altLang="en-US"/>
           </a:p>
@@ -468,7 +468,7 @@
           <a:p>
             <a:fld id="{05D0B3AF-13DA-4348-8939-FA6234BB6D76}" type="datetimeFigureOut">
               <a:rPr lang="zh-CN" altLang="en-US" smtClean="0"/>
-              <a:t>2023/10/8</a:t>
+              <a:t>2023/10/19</a:t>
             </a:fld>
             <a:endParaRPr lang="zh-CN" altLang="en-US"/>
           </a:p>
@@ -676,7 +676,7 @@
           <a:p>
             <a:fld id="{05D0B3AF-13DA-4348-8939-FA6234BB6D76}" type="datetimeFigureOut">
               <a:rPr lang="zh-CN" altLang="en-US" smtClean="0"/>
-              <a:t>2023/10/8</a:t>
+              <a:t>2023/10/19</a:t>
             </a:fld>
             <a:endParaRPr lang="zh-CN" altLang="en-US"/>
           </a:p>
@@ -874,7 +874,7 @@
           <a:p>
             <a:fld id="{05D0B3AF-13DA-4348-8939-FA6234BB6D76}" type="datetimeFigureOut">
               <a:rPr lang="zh-CN" altLang="en-US" smtClean="0"/>
-              <a:t>2023/10/8</a:t>
+              <a:t>2023/10/19</a:t>
             </a:fld>
             <a:endParaRPr lang="zh-CN" altLang="en-US"/>
           </a:p>
@@ -1149,7 +1149,7 @@
           <a:p>
             <a:fld id="{05D0B3AF-13DA-4348-8939-FA6234BB6D76}" type="datetimeFigureOut">
               <a:rPr lang="zh-CN" altLang="en-US" smtClean="0"/>
-              <a:t>2023/10/8</a:t>
+              <a:t>2023/10/19</a:t>
             </a:fld>
             <a:endParaRPr lang="zh-CN" altLang="en-US"/>
           </a:p>
@@ -1414,7 +1414,7 @@
           <a:p>
             <a:fld id="{05D0B3AF-13DA-4348-8939-FA6234BB6D76}" type="datetimeFigureOut">
               <a:rPr lang="zh-CN" altLang="en-US" smtClean="0"/>
-              <a:t>2023/10/8</a:t>
+              <a:t>2023/10/19</a:t>
             </a:fld>
             <a:endParaRPr lang="zh-CN" altLang="en-US"/>
           </a:p>
@@ -1826,7 +1826,7 @@
           <a:p>
             <a:fld id="{05D0B3AF-13DA-4348-8939-FA6234BB6D76}" type="datetimeFigureOut">
               <a:rPr lang="zh-CN" altLang="en-US" smtClean="0"/>
-              <a:t>2023/10/8</a:t>
+              <a:t>2023/10/19</a:t>
             </a:fld>
             <a:endParaRPr lang="zh-CN" altLang="en-US"/>
           </a:p>
@@ -1967,7 +1967,7 @@
           <a:p>
             <a:fld id="{05D0B3AF-13DA-4348-8939-FA6234BB6D76}" type="datetimeFigureOut">
               <a:rPr lang="zh-CN" altLang="en-US" smtClean="0"/>
-              <a:t>2023/10/8</a:t>
+              <a:t>2023/10/19</a:t>
             </a:fld>
             <a:endParaRPr lang="zh-CN" altLang="en-US"/>
           </a:p>
@@ -2080,7 +2080,7 @@
           <a:p>
             <a:fld id="{05D0B3AF-13DA-4348-8939-FA6234BB6D76}" type="datetimeFigureOut">
               <a:rPr lang="zh-CN" altLang="en-US" smtClean="0"/>
-              <a:t>2023/10/8</a:t>
+              <a:t>2023/10/19</a:t>
             </a:fld>
             <a:endParaRPr lang="zh-CN" altLang="en-US"/>
           </a:p>
@@ -2391,7 +2391,7 @@
           <a:p>
             <a:fld id="{05D0B3AF-13DA-4348-8939-FA6234BB6D76}" type="datetimeFigureOut">
               <a:rPr lang="zh-CN" altLang="en-US" smtClean="0"/>
-              <a:t>2023/10/8</a:t>
+              <a:t>2023/10/19</a:t>
             </a:fld>
             <a:endParaRPr lang="zh-CN" altLang="en-US"/>
           </a:p>
@@ -2679,7 +2679,7 @@
           <a:p>
             <a:fld id="{05D0B3AF-13DA-4348-8939-FA6234BB6D76}" type="datetimeFigureOut">
               <a:rPr lang="zh-CN" altLang="en-US" smtClean="0"/>
-              <a:t>2023/10/8</a:t>
+              <a:t>2023/10/19</a:t>
             </a:fld>
             <a:endParaRPr lang="zh-CN" altLang="en-US"/>
           </a:p>
@@ -2920,7 +2920,7 @@
           <a:p>
             <a:fld id="{05D0B3AF-13DA-4348-8939-FA6234BB6D76}" type="datetimeFigureOut">
               <a:rPr lang="zh-CN" altLang="en-US" smtClean="0"/>
-              <a:t>2023/10/8</a:t>
+              <a:t>2023/10/19</a:t>
             </a:fld>
             <a:endParaRPr lang="zh-CN" altLang="en-US"/>
           </a:p>
@@ -3446,10 +3446,10 @@
       </p:pic>
       <p:pic>
         <p:nvPicPr>
-          <p:cNvPr id="7" name="Picture 6">
-            <a:extLst>
-              <a:ext uri="{FF2B5EF4-FFF2-40B4-BE49-F238E27FC236}">
-                <a16:creationId xmlns:a16="http://schemas.microsoft.com/office/drawing/2014/main" id="{25951A34-4689-F42D-495A-A33FBDDF1113}"/>
+          <p:cNvPr id="2" name="Picture 1">
+            <a:extLst>
+              <a:ext uri="{FF2B5EF4-FFF2-40B4-BE49-F238E27FC236}">
+                <a16:creationId xmlns:a16="http://schemas.microsoft.com/office/drawing/2014/main" id="{136D94F7-22B9-70BD-A8FE-3EF0181CED8A}"/>
               </a:ext>
             </a:extLst>
           </p:cNvPr>
@@ -3460,13 +3460,13 @@
         </p:nvPicPr>
         <p:blipFill rotWithShape="1">
           <a:blip r:embed="rId4"/>
-          <a:srcRect t="1408" b="4501"/>
+          <a:srcRect t="1566" b="16071"/>
           <a:stretch/>
         </p:blipFill>
         <p:spPr>
           <a:xfrm>
-            <a:off x="7983540" y="3028950"/>
-            <a:ext cx="1460497" cy="2575674"/>
+            <a:off x="7984397" y="3028949"/>
+            <a:ext cx="1452076" cy="2575675"/>
           </a:xfrm>
           <a:prstGeom prst="rect">
             <a:avLst/>

--- a/images/screen-website.pptx
+++ b/images/screen-website.pptx
@@ -270,7 +270,7 @@
           <a:p>
             <a:fld id="{05D0B3AF-13DA-4348-8939-FA6234BB6D76}" type="datetimeFigureOut">
               <a:rPr lang="zh-CN" altLang="en-US" smtClean="0"/>
-              <a:t>2023/10/19</a:t>
+              <a:t>2024/3/27</a:t>
             </a:fld>
             <a:endParaRPr lang="zh-CN" altLang="en-US"/>
           </a:p>
@@ -468,7 +468,7 @@
           <a:p>
             <a:fld id="{05D0B3AF-13DA-4348-8939-FA6234BB6D76}" type="datetimeFigureOut">
               <a:rPr lang="zh-CN" altLang="en-US" smtClean="0"/>
-              <a:t>2023/10/19</a:t>
+              <a:t>2024/3/27</a:t>
             </a:fld>
             <a:endParaRPr lang="zh-CN" altLang="en-US"/>
           </a:p>
@@ -676,7 +676,7 @@
           <a:p>
             <a:fld id="{05D0B3AF-13DA-4348-8939-FA6234BB6D76}" type="datetimeFigureOut">
               <a:rPr lang="zh-CN" altLang="en-US" smtClean="0"/>
-              <a:t>2023/10/19</a:t>
+              <a:t>2024/3/27</a:t>
             </a:fld>
             <a:endParaRPr lang="zh-CN" altLang="en-US"/>
           </a:p>
@@ -874,7 +874,7 @@
           <a:p>
             <a:fld id="{05D0B3AF-13DA-4348-8939-FA6234BB6D76}" type="datetimeFigureOut">
               <a:rPr lang="zh-CN" altLang="en-US" smtClean="0"/>
-              <a:t>2023/10/19</a:t>
+              <a:t>2024/3/27</a:t>
             </a:fld>
             <a:endParaRPr lang="zh-CN" altLang="en-US"/>
           </a:p>
@@ -1149,7 +1149,7 @@
           <a:p>
             <a:fld id="{05D0B3AF-13DA-4348-8939-FA6234BB6D76}" type="datetimeFigureOut">
               <a:rPr lang="zh-CN" altLang="en-US" smtClean="0"/>
-              <a:t>2023/10/19</a:t>
+              <a:t>2024/3/27</a:t>
             </a:fld>
             <a:endParaRPr lang="zh-CN" altLang="en-US"/>
           </a:p>
@@ -1414,7 +1414,7 @@
           <a:p>
             <a:fld id="{05D0B3AF-13DA-4348-8939-FA6234BB6D76}" type="datetimeFigureOut">
               <a:rPr lang="zh-CN" altLang="en-US" smtClean="0"/>
-              <a:t>2023/10/19</a:t>
+              <a:t>2024/3/27</a:t>
             </a:fld>
             <a:endParaRPr lang="zh-CN" altLang="en-US"/>
           </a:p>
@@ -1826,7 +1826,7 @@
           <a:p>
             <a:fld id="{05D0B3AF-13DA-4348-8939-FA6234BB6D76}" type="datetimeFigureOut">
               <a:rPr lang="zh-CN" altLang="en-US" smtClean="0"/>
-              <a:t>2023/10/19</a:t>
+              <a:t>2024/3/27</a:t>
             </a:fld>
             <a:endParaRPr lang="zh-CN" altLang="en-US"/>
           </a:p>
@@ -1967,7 +1967,7 @@
           <a:p>
             <a:fld id="{05D0B3AF-13DA-4348-8939-FA6234BB6D76}" type="datetimeFigureOut">
               <a:rPr lang="zh-CN" altLang="en-US" smtClean="0"/>
-              <a:t>2023/10/19</a:t>
+              <a:t>2024/3/27</a:t>
             </a:fld>
             <a:endParaRPr lang="zh-CN" altLang="en-US"/>
           </a:p>
@@ -2080,7 +2080,7 @@
           <a:p>
             <a:fld id="{05D0B3AF-13DA-4348-8939-FA6234BB6D76}" type="datetimeFigureOut">
               <a:rPr lang="zh-CN" altLang="en-US" smtClean="0"/>
-              <a:t>2023/10/19</a:t>
+              <a:t>2024/3/27</a:t>
             </a:fld>
             <a:endParaRPr lang="zh-CN" altLang="en-US"/>
           </a:p>
@@ -2391,7 +2391,7 @@
           <a:p>
             <a:fld id="{05D0B3AF-13DA-4348-8939-FA6234BB6D76}" type="datetimeFigureOut">
               <a:rPr lang="zh-CN" altLang="en-US" smtClean="0"/>
-              <a:t>2023/10/19</a:t>
+              <a:t>2024/3/27</a:t>
             </a:fld>
             <a:endParaRPr lang="zh-CN" altLang="en-US"/>
           </a:p>
@@ -2679,7 +2679,7 @@
           <a:p>
             <a:fld id="{05D0B3AF-13DA-4348-8939-FA6234BB6D76}" type="datetimeFigureOut">
               <a:rPr lang="zh-CN" altLang="en-US" smtClean="0"/>
-              <a:t>2023/10/19</a:t>
+              <a:t>2024/3/27</a:t>
             </a:fld>
             <a:endParaRPr lang="zh-CN" altLang="en-US"/>
           </a:p>
@@ -2920,7 +2920,7 @@
           <a:p>
             <a:fld id="{05D0B3AF-13DA-4348-8939-FA6234BB6D76}" type="datetimeFigureOut">
               <a:rPr lang="zh-CN" altLang="en-US" smtClean="0"/>
-              <a:t>2023/10/19</a:t>
+              <a:t>2024/3/27</a:t>
             </a:fld>
             <a:endParaRPr lang="zh-CN" altLang="en-US"/>
           </a:p>
@@ -3375,10 +3375,10 @@
       </p:pic>
       <p:pic>
         <p:nvPicPr>
-          <p:cNvPr id="6" name="Picture 5" descr="A screenshot of a computer">
-            <a:extLst>
-              <a:ext uri="{FF2B5EF4-FFF2-40B4-BE49-F238E27FC236}">
-                <a16:creationId xmlns:a16="http://schemas.microsoft.com/office/drawing/2014/main" id="{E65C3133-E71A-8FC1-70B3-0A1A2E84EA64}"/>
+          <p:cNvPr id="3" name="图片 2">
+            <a:extLst>
+              <a:ext uri="{FF2B5EF4-FFF2-40B4-BE49-F238E27FC236}">
+                <a16:creationId xmlns:a16="http://schemas.microsoft.com/office/drawing/2014/main" id="{1F72AE32-44C4-EDAF-10CE-204ED935CFAB}"/>
               </a:ext>
             </a:extLst>
           </p:cNvPr>
@@ -3388,21 +3388,15 @@
           <p:nvPr/>
         </p:nvPicPr>
         <p:blipFill>
-          <a:blip r:embed="rId3">
-            <a:extLst>
-              <a:ext uri="{28A0092B-C50C-407E-A947-70E740481C1C}">
-                <a14:useLocalDpi xmlns:a14="http://schemas.microsoft.com/office/drawing/2010/main" val="0"/>
-              </a:ext>
-            </a:extLst>
-          </a:blip>
+          <a:blip r:embed="rId3"/>
           <a:stretch>
             <a:fillRect/>
           </a:stretch>
         </p:blipFill>
         <p:spPr>
           <a:xfrm>
-            <a:off x="3022369" y="1449648"/>
-            <a:ext cx="5681057" cy="3787371"/>
+            <a:off x="3042894" y="1441626"/>
+            <a:ext cx="5654225" cy="3769484"/>
           </a:xfrm>
           <a:prstGeom prst="rect">
             <a:avLst/>
@@ -3446,10 +3440,10 @@
       </p:pic>
       <p:pic>
         <p:nvPicPr>
-          <p:cNvPr id="2" name="Picture 1">
-            <a:extLst>
-              <a:ext uri="{FF2B5EF4-FFF2-40B4-BE49-F238E27FC236}">
-                <a16:creationId xmlns:a16="http://schemas.microsoft.com/office/drawing/2014/main" id="{136D94F7-22B9-70BD-A8FE-3EF0181CED8A}"/>
+          <p:cNvPr id="4" name="图片 3">
+            <a:extLst>
+              <a:ext uri="{FF2B5EF4-FFF2-40B4-BE49-F238E27FC236}">
+                <a16:creationId xmlns:a16="http://schemas.microsoft.com/office/drawing/2014/main" id="{0AAA5D58-899B-4864-0A7F-F75922945E75}"/>
               </a:ext>
             </a:extLst>
           </p:cNvPr>
@@ -3460,16 +3454,18 @@
         </p:nvPicPr>
         <p:blipFill rotWithShape="1">
           <a:blip r:embed="rId4"/>
-          <a:srcRect t="1566" b="16071"/>
+          <a:srcRect b="10132"/>
           <a:stretch/>
         </p:blipFill>
         <p:spPr>
           <a:xfrm>
-            <a:off x="7984397" y="3028949"/>
-            <a:ext cx="1452076" cy="2575675"/>
+            <a:off x="7984765" y="2999393"/>
+            <a:ext cx="1452129" cy="2605231"/>
           </a:xfrm>
-          <a:prstGeom prst="rect">
-            <a:avLst/>
+          <a:prstGeom prst="roundRect">
+            <a:avLst>
+              <a:gd name="adj" fmla="val 6172"/>
+            </a:avLst>
           </a:prstGeom>
         </p:spPr>
       </p:pic>

--- a/images/screen-website.pptx
+++ b/images/screen-website.pptx
@@ -270,7 +270,7 @@
           <a:p>
             <a:fld id="{05D0B3AF-13DA-4348-8939-FA6234BB6D76}" type="datetimeFigureOut">
               <a:rPr lang="zh-CN" altLang="en-US" smtClean="0"/>
-              <a:t>2024/3/27</a:t>
+              <a:t>2024/10/5</a:t>
             </a:fld>
             <a:endParaRPr lang="zh-CN" altLang="en-US"/>
           </a:p>
@@ -468,7 +468,7 @@
           <a:p>
             <a:fld id="{05D0B3AF-13DA-4348-8939-FA6234BB6D76}" type="datetimeFigureOut">
               <a:rPr lang="zh-CN" altLang="en-US" smtClean="0"/>
-              <a:t>2024/3/27</a:t>
+              <a:t>2024/10/5</a:t>
             </a:fld>
             <a:endParaRPr lang="zh-CN" altLang="en-US"/>
           </a:p>
@@ -676,7 +676,7 @@
           <a:p>
             <a:fld id="{05D0B3AF-13DA-4348-8939-FA6234BB6D76}" type="datetimeFigureOut">
               <a:rPr lang="zh-CN" altLang="en-US" smtClean="0"/>
-              <a:t>2024/3/27</a:t>
+              <a:t>2024/10/5</a:t>
             </a:fld>
             <a:endParaRPr lang="zh-CN" altLang="en-US"/>
           </a:p>
@@ -874,7 +874,7 @@
           <a:p>
             <a:fld id="{05D0B3AF-13DA-4348-8939-FA6234BB6D76}" type="datetimeFigureOut">
               <a:rPr lang="zh-CN" altLang="en-US" smtClean="0"/>
-              <a:t>2024/3/27</a:t>
+              <a:t>2024/10/5</a:t>
             </a:fld>
             <a:endParaRPr lang="zh-CN" altLang="en-US"/>
           </a:p>
@@ -1149,7 +1149,7 @@
           <a:p>
             <a:fld id="{05D0B3AF-13DA-4348-8939-FA6234BB6D76}" type="datetimeFigureOut">
               <a:rPr lang="zh-CN" altLang="en-US" smtClean="0"/>
-              <a:t>2024/3/27</a:t>
+              <a:t>2024/10/5</a:t>
             </a:fld>
             <a:endParaRPr lang="zh-CN" altLang="en-US"/>
           </a:p>
@@ -1414,7 +1414,7 @@
           <a:p>
             <a:fld id="{05D0B3AF-13DA-4348-8939-FA6234BB6D76}" type="datetimeFigureOut">
               <a:rPr lang="zh-CN" altLang="en-US" smtClean="0"/>
-              <a:t>2024/3/27</a:t>
+              <a:t>2024/10/5</a:t>
             </a:fld>
             <a:endParaRPr lang="zh-CN" altLang="en-US"/>
           </a:p>
@@ -1826,7 +1826,7 @@
           <a:p>
             <a:fld id="{05D0B3AF-13DA-4348-8939-FA6234BB6D76}" type="datetimeFigureOut">
               <a:rPr lang="zh-CN" altLang="en-US" smtClean="0"/>
-              <a:t>2024/3/27</a:t>
+              <a:t>2024/10/5</a:t>
             </a:fld>
             <a:endParaRPr lang="zh-CN" altLang="en-US"/>
           </a:p>
@@ -1967,7 +1967,7 @@
           <a:p>
             <a:fld id="{05D0B3AF-13DA-4348-8939-FA6234BB6D76}" type="datetimeFigureOut">
               <a:rPr lang="zh-CN" altLang="en-US" smtClean="0"/>
-              <a:t>2024/3/27</a:t>
+              <a:t>2024/10/5</a:t>
             </a:fld>
             <a:endParaRPr lang="zh-CN" altLang="en-US"/>
           </a:p>
@@ -2080,7 +2080,7 @@
           <a:p>
             <a:fld id="{05D0B3AF-13DA-4348-8939-FA6234BB6D76}" type="datetimeFigureOut">
               <a:rPr lang="zh-CN" altLang="en-US" smtClean="0"/>
-              <a:t>2024/3/27</a:t>
+              <a:t>2024/10/5</a:t>
             </a:fld>
             <a:endParaRPr lang="zh-CN" altLang="en-US"/>
           </a:p>
@@ -2391,7 +2391,7 @@
           <a:p>
             <a:fld id="{05D0B3AF-13DA-4348-8939-FA6234BB6D76}" type="datetimeFigureOut">
               <a:rPr lang="zh-CN" altLang="en-US" smtClean="0"/>
-              <a:t>2024/3/27</a:t>
+              <a:t>2024/10/5</a:t>
             </a:fld>
             <a:endParaRPr lang="zh-CN" altLang="en-US"/>
           </a:p>
@@ -2679,7 +2679,7 @@
           <a:p>
             <a:fld id="{05D0B3AF-13DA-4348-8939-FA6234BB6D76}" type="datetimeFigureOut">
               <a:rPr lang="zh-CN" altLang="en-US" smtClean="0"/>
-              <a:t>2024/3/27</a:t>
+              <a:t>2024/10/5</a:t>
             </a:fld>
             <a:endParaRPr lang="zh-CN" altLang="en-US"/>
           </a:p>
@@ -2920,7 +2920,7 @@
           <a:p>
             <a:fld id="{05D0B3AF-13DA-4348-8939-FA6234BB6D76}" type="datetimeFigureOut">
               <a:rPr lang="zh-CN" altLang="en-US" smtClean="0"/>
-              <a:t>2024/3/27</a:t>
+              <a:t>2024/10/5</a:t>
             </a:fld>
             <a:endParaRPr lang="zh-CN" altLang="en-US"/>
           </a:p>
@@ -3375,10 +3375,10 @@
       </p:pic>
       <p:pic>
         <p:nvPicPr>
-          <p:cNvPr id="3" name="图片 2">
-            <a:extLst>
-              <a:ext uri="{FF2B5EF4-FFF2-40B4-BE49-F238E27FC236}">
-                <a16:creationId xmlns:a16="http://schemas.microsoft.com/office/drawing/2014/main" id="{1F72AE32-44C4-EDAF-10CE-204ED935CFAB}"/>
+          <p:cNvPr id="2" name="Picture 1">
+            <a:extLst>
+              <a:ext uri="{FF2B5EF4-FFF2-40B4-BE49-F238E27FC236}">
+                <a16:creationId xmlns:a16="http://schemas.microsoft.com/office/drawing/2014/main" id="{B6DE4ACD-D7E5-200C-C5BB-25E60163FF67}"/>
               </a:ext>
             </a:extLst>
           </p:cNvPr>
@@ -3389,14 +3389,13 @@
         </p:nvPicPr>
         <p:blipFill>
           <a:blip r:embed="rId3"/>
-          <a:stretch>
-            <a:fillRect/>
-          </a:stretch>
+          <a:srcRect b="2185"/>
+          <a:stretch/>
         </p:blipFill>
         <p:spPr>
           <a:xfrm>
-            <a:off x="3042894" y="1441626"/>
-            <a:ext cx="5654225" cy="3769484"/>
+            <a:off x="3042206" y="1436316"/>
+            <a:ext cx="5655807" cy="3688134"/>
           </a:xfrm>
           <a:prstGeom prst="rect">
             <a:avLst/>
@@ -3430,7 +3429,7 @@
         </p:blipFill>
         <p:spPr>
           <a:xfrm>
-            <a:off x="7949046" y="2949628"/>
+            <a:off x="7932420" y="2939703"/>
             <a:ext cx="1873317" cy="2654996"/>
           </a:xfrm>
           <a:prstGeom prst="rect">
@@ -3440,10 +3439,10 @@
       </p:pic>
       <p:pic>
         <p:nvPicPr>
-          <p:cNvPr id="4" name="图片 3">
-            <a:extLst>
-              <a:ext uri="{FF2B5EF4-FFF2-40B4-BE49-F238E27FC236}">
-                <a16:creationId xmlns:a16="http://schemas.microsoft.com/office/drawing/2014/main" id="{0AAA5D58-899B-4864-0A7F-F75922945E75}"/>
+          <p:cNvPr id="6" name="Picture 5">
+            <a:extLst>
+              <a:ext uri="{FF2B5EF4-FFF2-40B4-BE49-F238E27FC236}">
+                <a16:creationId xmlns:a16="http://schemas.microsoft.com/office/drawing/2014/main" id="{43A33825-D95D-3DFF-D361-405149B46EA8}"/>
               </a:ext>
             </a:extLst>
           </p:cNvPr>
@@ -3452,19 +3451,19 @@
           </p:cNvPicPr>
           <p:nvPr/>
         </p:nvPicPr>
-        <p:blipFill rotWithShape="1">
+        <p:blipFill>
           <a:blip r:embed="rId4"/>
-          <a:srcRect b="10132"/>
+          <a:srcRect b="13041"/>
           <a:stretch/>
         </p:blipFill>
         <p:spPr>
           <a:xfrm>
-            <a:off x="7984765" y="2999393"/>
-            <a:ext cx="1452129" cy="2605231"/>
+            <a:off x="7984451" y="2988486"/>
+            <a:ext cx="1426249" cy="2606213"/>
           </a:xfrm>
           <a:prstGeom prst="roundRect">
             <a:avLst>
-              <a:gd name="adj" fmla="val 6172"/>
+              <a:gd name="adj" fmla="val 2392"/>
             </a:avLst>
           </a:prstGeom>
         </p:spPr>

--- a/images/screen-website.pptx
+++ b/images/screen-website.pptx
@@ -270,7 +270,7 @@
           <a:p>
             <a:fld id="{05D0B3AF-13DA-4348-8939-FA6234BB6D76}" type="datetimeFigureOut">
               <a:rPr lang="zh-CN" altLang="en-US" smtClean="0"/>
-              <a:t>2024/10/5</a:t>
+              <a:t>2025/5/30</a:t>
             </a:fld>
             <a:endParaRPr lang="zh-CN" altLang="en-US"/>
           </a:p>
@@ -468,7 +468,7 @@
           <a:p>
             <a:fld id="{05D0B3AF-13DA-4348-8939-FA6234BB6D76}" type="datetimeFigureOut">
               <a:rPr lang="zh-CN" altLang="en-US" smtClean="0"/>
-              <a:t>2024/10/5</a:t>
+              <a:t>2025/5/30</a:t>
             </a:fld>
             <a:endParaRPr lang="zh-CN" altLang="en-US"/>
           </a:p>
@@ -676,7 +676,7 @@
           <a:p>
             <a:fld id="{05D0B3AF-13DA-4348-8939-FA6234BB6D76}" type="datetimeFigureOut">
               <a:rPr lang="zh-CN" altLang="en-US" smtClean="0"/>
-              <a:t>2024/10/5</a:t>
+              <a:t>2025/5/30</a:t>
             </a:fld>
             <a:endParaRPr lang="zh-CN" altLang="en-US"/>
           </a:p>
@@ -874,7 +874,7 @@
           <a:p>
             <a:fld id="{05D0B3AF-13DA-4348-8939-FA6234BB6D76}" type="datetimeFigureOut">
               <a:rPr lang="zh-CN" altLang="en-US" smtClean="0"/>
-              <a:t>2024/10/5</a:t>
+              <a:t>2025/5/30</a:t>
             </a:fld>
             <a:endParaRPr lang="zh-CN" altLang="en-US"/>
           </a:p>
@@ -1149,7 +1149,7 @@
           <a:p>
             <a:fld id="{05D0B3AF-13DA-4348-8939-FA6234BB6D76}" type="datetimeFigureOut">
               <a:rPr lang="zh-CN" altLang="en-US" smtClean="0"/>
-              <a:t>2024/10/5</a:t>
+              <a:t>2025/5/30</a:t>
             </a:fld>
             <a:endParaRPr lang="zh-CN" altLang="en-US"/>
           </a:p>
@@ -1414,7 +1414,7 @@
           <a:p>
             <a:fld id="{05D0B3AF-13DA-4348-8939-FA6234BB6D76}" type="datetimeFigureOut">
               <a:rPr lang="zh-CN" altLang="en-US" smtClean="0"/>
-              <a:t>2024/10/5</a:t>
+              <a:t>2025/5/30</a:t>
             </a:fld>
             <a:endParaRPr lang="zh-CN" altLang="en-US"/>
           </a:p>
@@ -1826,7 +1826,7 @@
           <a:p>
             <a:fld id="{05D0B3AF-13DA-4348-8939-FA6234BB6D76}" type="datetimeFigureOut">
               <a:rPr lang="zh-CN" altLang="en-US" smtClean="0"/>
-              <a:t>2024/10/5</a:t>
+              <a:t>2025/5/30</a:t>
             </a:fld>
             <a:endParaRPr lang="zh-CN" altLang="en-US"/>
           </a:p>
@@ -1967,7 +1967,7 @@
           <a:p>
             <a:fld id="{05D0B3AF-13DA-4348-8939-FA6234BB6D76}" type="datetimeFigureOut">
               <a:rPr lang="zh-CN" altLang="en-US" smtClean="0"/>
-              <a:t>2024/10/5</a:t>
+              <a:t>2025/5/30</a:t>
             </a:fld>
             <a:endParaRPr lang="zh-CN" altLang="en-US"/>
           </a:p>
@@ -2080,7 +2080,7 @@
           <a:p>
             <a:fld id="{05D0B3AF-13DA-4348-8939-FA6234BB6D76}" type="datetimeFigureOut">
               <a:rPr lang="zh-CN" altLang="en-US" smtClean="0"/>
-              <a:t>2024/10/5</a:t>
+              <a:t>2025/5/30</a:t>
             </a:fld>
             <a:endParaRPr lang="zh-CN" altLang="en-US"/>
           </a:p>
@@ -2391,7 +2391,7 @@
           <a:p>
             <a:fld id="{05D0B3AF-13DA-4348-8939-FA6234BB6D76}" type="datetimeFigureOut">
               <a:rPr lang="zh-CN" altLang="en-US" smtClean="0"/>
-              <a:t>2024/10/5</a:t>
+              <a:t>2025/5/30</a:t>
             </a:fld>
             <a:endParaRPr lang="zh-CN" altLang="en-US"/>
           </a:p>
@@ -2679,7 +2679,7 @@
           <a:p>
             <a:fld id="{05D0B3AF-13DA-4348-8939-FA6234BB6D76}" type="datetimeFigureOut">
               <a:rPr lang="zh-CN" altLang="en-US" smtClean="0"/>
-              <a:t>2024/10/5</a:t>
+              <a:t>2025/5/30</a:t>
             </a:fld>
             <a:endParaRPr lang="zh-CN" altLang="en-US"/>
           </a:p>
@@ -2920,7 +2920,7 @@
           <a:p>
             <a:fld id="{05D0B3AF-13DA-4348-8939-FA6234BB6D76}" type="datetimeFigureOut">
               <a:rPr lang="zh-CN" altLang="en-US" smtClean="0"/>
-              <a:t>2024/10/5</a:t>
+              <a:t>2025/5/30</a:t>
             </a:fld>
             <a:endParaRPr lang="zh-CN" altLang="en-US"/>
           </a:p>
@@ -3375,10 +3375,10 @@
       </p:pic>
       <p:pic>
         <p:nvPicPr>
-          <p:cNvPr id="2" name="Picture 1">
-            <a:extLst>
-              <a:ext uri="{FF2B5EF4-FFF2-40B4-BE49-F238E27FC236}">
-                <a16:creationId xmlns:a16="http://schemas.microsoft.com/office/drawing/2014/main" id="{B6DE4ACD-D7E5-200C-C5BB-25E60163FF67}"/>
+          <p:cNvPr id="4" name="Picture 3">
+            <a:extLst>
+              <a:ext uri="{FF2B5EF4-FFF2-40B4-BE49-F238E27FC236}">
+                <a16:creationId xmlns:a16="http://schemas.microsoft.com/office/drawing/2014/main" id="{14D3D8A2-FDBA-957C-DAE4-CE878B123472}"/>
               </a:ext>
             </a:extLst>
           </p:cNvPr>
@@ -3389,25 +3389,28 @@
         </p:nvPicPr>
         <p:blipFill>
           <a:blip r:embed="rId3"/>
-          <a:srcRect b="2185"/>
-          <a:stretch/>
+          <a:stretch>
+            <a:fillRect/>
+          </a:stretch>
         </p:blipFill>
         <p:spPr>
           <a:xfrm>
-            <a:off x="3042206" y="1436316"/>
-            <a:ext cx="5655807" cy="3688134"/>
+            <a:off x="3039491" y="1436059"/>
+            <a:ext cx="5655807" cy="3692486"/>
           </a:xfrm>
-          <a:prstGeom prst="rect">
-            <a:avLst/>
+          <a:prstGeom prst="roundRect">
+            <a:avLst>
+              <a:gd name="adj" fmla="val 932"/>
+            </a:avLst>
           </a:prstGeom>
         </p:spPr>
       </p:pic>
       <p:pic>
         <p:nvPicPr>
-          <p:cNvPr id="10" name="图片 9">
-            <a:extLst>
-              <a:ext uri="{FF2B5EF4-FFF2-40B4-BE49-F238E27FC236}">
-                <a16:creationId xmlns:a16="http://schemas.microsoft.com/office/drawing/2014/main" id="{EC050325-B063-4847-CAC5-B6292588F4D8}"/>
+          <p:cNvPr id="9" name="图片 9">
+            <a:extLst>
+              <a:ext uri="{FF2B5EF4-FFF2-40B4-BE49-F238E27FC236}">
+                <a16:creationId xmlns:a16="http://schemas.microsoft.com/office/drawing/2014/main" id="{20BE80EC-82AA-5A29-DCC0-991D4D555742}"/>
               </a:ext>
             </a:extLst>
           </p:cNvPr>
@@ -3429,7 +3432,7 @@
         </p:blipFill>
         <p:spPr>
           <a:xfrm>
-            <a:off x="7932420" y="2939703"/>
+            <a:off x="7932420" y="2949228"/>
             <a:ext cx="1873317" cy="2654996"/>
           </a:xfrm>
           <a:prstGeom prst="rect">
@@ -3439,10 +3442,10 @@
       </p:pic>
       <p:pic>
         <p:nvPicPr>
-          <p:cNvPr id="6" name="Picture 5">
-            <a:extLst>
-              <a:ext uri="{FF2B5EF4-FFF2-40B4-BE49-F238E27FC236}">
-                <a16:creationId xmlns:a16="http://schemas.microsoft.com/office/drawing/2014/main" id="{43A33825-D95D-3DFF-D361-405149B46EA8}"/>
+          <p:cNvPr id="8" name="Picture 7">
+            <a:extLst>
+              <a:ext uri="{FF2B5EF4-FFF2-40B4-BE49-F238E27FC236}">
+                <a16:creationId xmlns:a16="http://schemas.microsoft.com/office/drawing/2014/main" id="{6E014285-E6F0-852A-FF63-492112DA53CC}"/>
               </a:ext>
             </a:extLst>
           </p:cNvPr>
@@ -3452,18 +3455,24 @@
           <p:nvPr/>
         </p:nvPicPr>
         <p:blipFill>
-          <a:blip r:embed="rId4"/>
-          <a:srcRect b="13041"/>
+          <a:blip r:embed="rId4">
+            <a:extLst>
+              <a:ext uri="{28A0092B-C50C-407E-A947-70E740481C1C}">
+                <a14:useLocalDpi xmlns:a14="http://schemas.microsoft.com/office/drawing/2010/main" val="0"/>
+              </a:ext>
+            </a:extLst>
+          </a:blip>
+          <a:srcRect t="1" b="15940"/>
           <a:stretch/>
         </p:blipFill>
         <p:spPr>
           <a:xfrm>
-            <a:off x="7984451" y="2988486"/>
-            <a:ext cx="1426249" cy="2606213"/>
+            <a:off x="7983031" y="2990882"/>
+            <a:ext cx="1422907" cy="2613342"/>
           </a:xfrm>
           <a:prstGeom prst="roundRect">
             <a:avLst>
-              <a:gd name="adj" fmla="val 2392"/>
+              <a:gd name="adj" fmla="val 2622"/>
             </a:avLst>
           </a:prstGeom>
         </p:spPr>

--- a/images/screen-website.pptx
+++ b/images/screen-website.pptx
@@ -270,7 +270,7 @@
           <a:p>
             <a:fld id="{05D0B3AF-13DA-4348-8939-FA6234BB6D76}" type="datetimeFigureOut">
               <a:rPr lang="zh-CN" altLang="en-US" smtClean="0"/>
-              <a:t>2025/5/30</a:t>
+              <a:t>2026/1/4</a:t>
             </a:fld>
             <a:endParaRPr lang="zh-CN" altLang="en-US"/>
           </a:p>
@@ -468,7 +468,7 @@
           <a:p>
             <a:fld id="{05D0B3AF-13DA-4348-8939-FA6234BB6D76}" type="datetimeFigureOut">
               <a:rPr lang="zh-CN" altLang="en-US" smtClean="0"/>
-              <a:t>2025/5/30</a:t>
+              <a:t>2026/1/4</a:t>
             </a:fld>
             <a:endParaRPr lang="zh-CN" altLang="en-US"/>
           </a:p>
@@ -676,7 +676,7 @@
           <a:p>
             <a:fld id="{05D0B3AF-13DA-4348-8939-FA6234BB6D76}" type="datetimeFigureOut">
               <a:rPr lang="zh-CN" altLang="en-US" smtClean="0"/>
-              <a:t>2025/5/30</a:t>
+              <a:t>2026/1/4</a:t>
             </a:fld>
             <a:endParaRPr lang="zh-CN" altLang="en-US"/>
           </a:p>
@@ -874,7 +874,7 @@
           <a:p>
             <a:fld id="{05D0B3AF-13DA-4348-8939-FA6234BB6D76}" type="datetimeFigureOut">
               <a:rPr lang="zh-CN" altLang="en-US" smtClean="0"/>
-              <a:t>2025/5/30</a:t>
+              <a:t>2026/1/4</a:t>
             </a:fld>
             <a:endParaRPr lang="zh-CN" altLang="en-US"/>
           </a:p>
@@ -1149,7 +1149,7 @@
           <a:p>
             <a:fld id="{05D0B3AF-13DA-4348-8939-FA6234BB6D76}" type="datetimeFigureOut">
               <a:rPr lang="zh-CN" altLang="en-US" smtClean="0"/>
-              <a:t>2025/5/30</a:t>
+              <a:t>2026/1/4</a:t>
             </a:fld>
             <a:endParaRPr lang="zh-CN" altLang="en-US"/>
           </a:p>
@@ -1414,7 +1414,7 @@
           <a:p>
             <a:fld id="{05D0B3AF-13DA-4348-8939-FA6234BB6D76}" type="datetimeFigureOut">
               <a:rPr lang="zh-CN" altLang="en-US" smtClean="0"/>
-              <a:t>2025/5/30</a:t>
+              <a:t>2026/1/4</a:t>
             </a:fld>
             <a:endParaRPr lang="zh-CN" altLang="en-US"/>
           </a:p>
@@ -1826,7 +1826,7 @@
           <a:p>
             <a:fld id="{05D0B3AF-13DA-4348-8939-FA6234BB6D76}" type="datetimeFigureOut">
               <a:rPr lang="zh-CN" altLang="en-US" smtClean="0"/>
-              <a:t>2025/5/30</a:t>
+              <a:t>2026/1/4</a:t>
             </a:fld>
             <a:endParaRPr lang="zh-CN" altLang="en-US"/>
           </a:p>
@@ -1967,7 +1967,7 @@
           <a:p>
             <a:fld id="{05D0B3AF-13DA-4348-8939-FA6234BB6D76}" type="datetimeFigureOut">
               <a:rPr lang="zh-CN" altLang="en-US" smtClean="0"/>
-              <a:t>2025/5/30</a:t>
+              <a:t>2026/1/4</a:t>
             </a:fld>
             <a:endParaRPr lang="zh-CN" altLang="en-US"/>
           </a:p>
@@ -2080,7 +2080,7 @@
           <a:p>
             <a:fld id="{05D0B3AF-13DA-4348-8939-FA6234BB6D76}" type="datetimeFigureOut">
               <a:rPr lang="zh-CN" altLang="en-US" smtClean="0"/>
-              <a:t>2025/5/30</a:t>
+              <a:t>2026/1/4</a:t>
             </a:fld>
             <a:endParaRPr lang="zh-CN" altLang="en-US"/>
           </a:p>
@@ -2391,7 +2391,7 @@
           <a:p>
             <a:fld id="{05D0B3AF-13DA-4348-8939-FA6234BB6D76}" type="datetimeFigureOut">
               <a:rPr lang="zh-CN" altLang="en-US" smtClean="0"/>
-              <a:t>2025/5/30</a:t>
+              <a:t>2026/1/4</a:t>
             </a:fld>
             <a:endParaRPr lang="zh-CN" altLang="en-US"/>
           </a:p>
@@ -2679,7 +2679,7 @@
           <a:p>
             <a:fld id="{05D0B3AF-13DA-4348-8939-FA6234BB6D76}" type="datetimeFigureOut">
               <a:rPr lang="zh-CN" altLang="en-US" smtClean="0"/>
-              <a:t>2025/5/30</a:t>
+              <a:t>2026/1/4</a:t>
             </a:fld>
             <a:endParaRPr lang="zh-CN" altLang="en-US"/>
           </a:p>
@@ -2920,7 +2920,7 @@
           <a:p>
             <a:fld id="{05D0B3AF-13DA-4348-8939-FA6234BB6D76}" type="datetimeFigureOut">
               <a:rPr lang="zh-CN" altLang="en-US" smtClean="0"/>
-              <a:t>2025/5/30</a:t>
+              <a:t>2026/1/4</a:t>
             </a:fld>
             <a:endParaRPr lang="zh-CN" altLang="en-US"/>
           </a:p>
@@ -3375,10 +3375,10 @@
       </p:pic>
       <p:pic>
         <p:nvPicPr>
-          <p:cNvPr id="4" name="Picture 3">
-            <a:extLst>
-              <a:ext uri="{FF2B5EF4-FFF2-40B4-BE49-F238E27FC236}">
-                <a16:creationId xmlns:a16="http://schemas.microsoft.com/office/drawing/2014/main" id="{14D3D8A2-FDBA-957C-DAE4-CE878B123472}"/>
+          <p:cNvPr id="3" name="Picture 2">
+            <a:extLst>
+              <a:ext uri="{FF2B5EF4-FFF2-40B4-BE49-F238E27FC236}">
+                <a16:creationId xmlns:a16="http://schemas.microsoft.com/office/drawing/2014/main" id="{7CC41C62-5787-EB3C-3A61-66A727037A13}"/>
               </a:ext>
             </a:extLst>
           </p:cNvPr>
@@ -3389,18 +3389,19 @@
         </p:nvPicPr>
         <p:blipFill>
           <a:blip r:embed="rId3"/>
+          <a:srcRect b="6376"/>
           <a:stretch>
             <a:fillRect/>
           </a:stretch>
         </p:blipFill>
         <p:spPr>
           <a:xfrm>
-            <a:off x="3039491" y="1436059"/>
-            <a:ext cx="5655807" cy="3692486"/>
+            <a:off x="3034223" y="1432283"/>
+            <a:ext cx="5649483" cy="3794186"/>
           </a:xfrm>
           <a:prstGeom prst="roundRect">
             <a:avLst>
-              <a:gd name="adj" fmla="val 932"/>
+              <a:gd name="adj" fmla="val 335"/>
             </a:avLst>
           </a:prstGeom>
         </p:spPr>
@@ -3442,10 +3443,10 @@
       </p:pic>
       <p:pic>
         <p:nvPicPr>
-          <p:cNvPr id="8" name="Picture 7">
-            <a:extLst>
-              <a:ext uri="{FF2B5EF4-FFF2-40B4-BE49-F238E27FC236}">
-                <a16:creationId xmlns:a16="http://schemas.microsoft.com/office/drawing/2014/main" id="{6E014285-E6F0-852A-FF63-492112DA53CC}"/>
+          <p:cNvPr id="7" name="Picture 6">
+            <a:extLst>
+              <a:ext uri="{FF2B5EF4-FFF2-40B4-BE49-F238E27FC236}">
+                <a16:creationId xmlns:a16="http://schemas.microsoft.com/office/drawing/2014/main" id="{8E432B48-63A5-7BD4-37A4-301AEF673C02}"/>
               </a:ext>
             </a:extLst>
           </p:cNvPr>
@@ -3455,24 +3456,20 @@
           <p:nvPr/>
         </p:nvPicPr>
         <p:blipFill>
-          <a:blip r:embed="rId4">
-            <a:extLst>
-              <a:ext uri="{28A0092B-C50C-407E-A947-70E740481C1C}">
-                <a14:useLocalDpi xmlns:a14="http://schemas.microsoft.com/office/drawing/2010/main" val="0"/>
-              </a:ext>
-            </a:extLst>
-          </a:blip>
-          <a:srcRect t="1" b="15940"/>
-          <a:stretch/>
+          <a:blip r:embed="rId4"/>
+          <a:srcRect b="3545"/>
+          <a:stretch>
+            <a:fillRect/>
+          </a:stretch>
         </p:blipFill>
         <p:spPr>
           <a:xfrm>
-            <a:off x="7983031" y="2990882"/>
-            <a:ext cx="1422907" cy="2613342"/>
+            <a:off x="7980621" y="3001101"/>
+            <a:ext cx="1424738" cy="2603123"/>
           </a:xfrm>
           <a:prstGeom prst="roundRect">
             <a:avLst>
-              <a:gd name="adj" fmla="val 2622"/>
+              <a:gd name="adj" fmla="val 6737"/>
             </a:avLst>
           </a:prstGeom>
         </p:spPr>
